--- a/cours7.pptx
+++ b/cours7.pptx
@@ -366,7 +366,7 @@
             </a:pPr>
             <a:fld id="{870BBE49-FCCB-4A90-A45C-67088542EE9F}" type="datetime1">
               <a:rPr lang="fr-FR" smtClean="0"/>
-              <a:t>07/11/2022</a:t>
+              <a:t>24/10/2024</a:t>
             </a:fld>
             <a:endParaRPr lang="fr-FR"/>
           </a:p>
@@ -601,7 +601,7 @@
             </a:pPr>
             <a:fld id="{B3571AEC-2BC4-4B6C-B79E-00D12817ECD9}" type="datetime1">
               <a:rPr lang="fr-FR" smtClean="0"/>
-              <a:t>07/11/2022</a:t>
+              <a:t>24/10/2024</a:t>
             </a:fld>
             <a:endParaRPr lang="fr-FR"/>
           </a:p>
@@ -1143,7 +1143,7 @@
             </a:pPr>
             <a:fld id="{046FFCB7-D57F-4C8C-BA32-2BA73F4500C6}" type="datetime1">
               <a:rPr lang="fr-FR" smtClean="0"/>
-              <a:t>07/11/2022</a:t>
+              <a:t>24/10/2024</a:t>
             </a:fld>
             <a:endParaRPr lang="fr-FR"/>
           </a:p>
@@ -1435,7 +1435,7 @@
             </a:pPr>
             <a:fld id="{CA852A4D-1BFF-498F-B63C-A36E50EC025B}" type="datetime1">
               <a:rPr lang="fr-FR" smtClean="0"/>
-              <a:t>07/11/2022</a:t>
+              <a:t>24/10/2024</a:t>
             </a:fld>
             <a:endParaRPr lang="fr-FR"/>
           </a:p>
@@ -2000,7 +2000,7 @@
               <a:rPr lang="fr-FR" altLang="fr-FR" sz="2800" dirty="0">
                 <a:latin typeface="Pochoir Pleine" panose="02000503020000020004"/>
               </a:rPr>
-              <a:t>CSV</a:t>
+              <a:t>Eléments utiles au TD7</a:t>
             </a:r>
             <a:endParaRPr lang="fr-FR" sz="2800" dirty="0">
               <a:latin typeface="Pochoir Pleine" panose="02000503020000020004"/>
